--- a/IOT-Basics-Kaushalya-Part2.pptx
+++ b/IOT-Basics-Kaushalya-Part2.pptx
@@ -5,10 +5,10 @@
     <p:sldMasterId id="2147483648" r:id="rId1"/>
   </p:sldMasterIdLst>
   <p:notesMasterIdLst>
-    <p:notesMasterId r:id="rId31"/>
+    <p:notesMasterId r:id="rId32"/>
   </p:notesMasterIdLst>
   <p:handoutMasterIdLst>
-    <p:handoutMasterId r:id="rId32"/>
+    <p:handoutMasterId r:id="rId33"/>
   </p:handoutMasterIdLst>
   <p:sldIdLst>
     <p:sldId id="256" r:id="rId2"/>
@@ -31,15 +31,16 @@
     <p:sldId id="527" r:id="rId19"/>
     <p:sldId id="531" r:id="rId20"/>
     <p:sldId id="532" r:id="rId21"/>
-    <p:sldId id="533" r:id="rId22"/>
-    <p:sldId id="389" r:id="rId23"/>
-    <p:sldId id="396" r:id="rId24"/>
-    <p:sldId id="390" r:id="rId25"/>
-    <p:sldId id="391" r:id="rId26"/>
-    <p:sldId id="392" r:id="rId27"/>
-    <p:sldId id="393" r:id="rId28"/>
-    <p:sldId id="397" r:id="rId29"/>
-    <p:sldId id="398" r:id="rId30"/>
+    <p:sldId id="534" r:id="rId22"/>
+    <p:sldId id="533" r:id="rId23"/>
+    <p:sldId id="389" r:id="rId24"/>
+    <p:sldId id="396" r:id="rId25"/>
+    <p:sldId id="390" r:id="rId26"/>
+    <p:sldId id="391" r:id="rId27"/>
+    <p:sldId id="392" r:id="rId28"/>
+    <p:sldId id="393" r:id="rId29"/>
+    <p:sldId id="397" r:id="rId30"/>
+    <p:sldId id="398" r:id="rId31"/>
   </p:sldIdLst>
   <p:sldSz cx="12192000" cy="6858000"/>
   <p:notesSz cx="6858000" cy="9144000"/>
@@ -243,7 +244,7 @@
           <a:p>
             <a:fld id="{C5BA3DF1-419F-4396-AE23-2FADD3683DAD}" type="datetimeFigureOut">
               <a:rPr lang="en-IN" smtClean="0"/>
-              <a:t>07-10-2022</a:t>
+              <a:t>10-11-2022</a:t>
             </a:fld>
             <a:endParaRPr lang="en-IN"/>
           </a:p>
@@ -424,7 +425,7 @@
           <a:p>
             <a:fld id="{83A6DFB3-D709-4817-8757-3B1955B6C311}" type="datetimeFigureOut">
               <a:rPr lang="en-IN" smtClean="0"/>
-              <a:t>07-10-2022</a:t>
+              <a:t>10-11-2022</a:t>
             </a:fld>
             <a:endParaRPr lang="en-IN"/>
           </a:p>
@@ -783,7 +784,7 @@
           <a:p>
             <a:fld id="{EEE57952-1A80-46FA-8548-9774038396A1}" type="slidenum">
               <a:rPr lang="en-IN" smtClean="0"/>
-              <a:t>22</a:t>
+              <a:t>23</a:t>
             </a:fld>
             <a:endParaRPr lang="en-IN"/>
           </a:p>
@@ -892,7 +893,7 @@
           <a:p>
             <a:fld id="{EEE57952-1A80-46FA-8548-9774038396A1}" type="slidenum">
               <a:rPr lang="en-IN" smtClean="0"/>
-              <a:t>23</a:t>
+              <a:t>24</a:t>
             </a:fld>
             <a:endParaRPr lang="en-IN"/>
           </a:p>
@@ -1001,7 +1002,7 @@
           <a:p>
             <a:fld id="{EEE57952-1A80-46FA-8548-9774038396A1}" type="slidenum">
               <a:rPr lang="en-IN" smtClean="0"/>
-              <a:t>24</a:t>
+              <a:t>25</a:t>
             </a:fld>
             <a:endParaRPr lang="en-IN"/>
           </a:p>
@@ -1110,7 +1111,7 @@
           <a:p>
             <a:fld id="{EEE57952-1A80-46FA-8548-9774038396A1}" type="slidenum">
               <a:rPr lang="en-IN" smtClean="0"/>
-              <a:t>25</a:t>
+              <a:t>26</a:t>
             </a:fld>
             <a:endParaRPr lang="en-IN"/>
           </a:p>
@@ -1219,7 +1220,7 @@
           <a:p>
             <a:fld id="{EEE57952-1A80-46FA-8548-9774038396A1}" type="slidenum">
               <a:rPr lang="en-IN" smtClean="0"/>
-              <a:t>26</a:t>
+              <a:t>27</a:t>
             </a:fld>
             <a:endParaRPr lang="en-IN"/>
           </a:p>
@@ -1328,7 +1329,7 @@
           <a:p>
             <a:fld id="{EEE57952-1A80-46FA-8548-9774038396A1}" type="slidenum">
               <a:rPr lang="en-IN" smtClean="0"/>
-              <a:t>27</a:t>
+              <a:t>28</a:t>
             </a:fld>
             <a:endParaRPr lang="en-IN"/>
           </a:p>
@@ -1437,7 +1438,7 @@
           <a:p>
             <a:fld id="{EEE57952-1A80-46FA-8548-9774038396A1}" type="slidenum">
               <a:rPr lang="en-IN" smtClean="0"/>
-              <a:t>28</a:t>
+              <a:t>29</a:t>
             </a:fld>
             <a:endParaRPr lang="en-IN"/>
           </a:p>
@@ -1546,7 +1547,7 @@
           <a:p>
             <a:fld id="{EEE57952-1A80-46FA-8548-9774038396A1}" type="slidenum">
               <a:rPr lang="en-IN" smtClean="0"/>
-              <a:t>29</a:t>
+              <a:t>30</a:t>
             </a:fld>
             <a:endParaRPr lang="en-IN"/>
           </a:p>
@@ -1714,7 +1715,7 @@
           <a:p>
             <a:fld id="{3A6BD9D9-0201-491D-850A-4E48B8CC6FB5}" type="datetime1">
               <a:rPr lang="en-IN" smtClean="0"/>
-              <a:t>07-10-2022</a:t>
+              <a:t>10-11-2022</a:t>
             </a:fld>
             <a:endParaRPr lang="en-IN"/>
           </a:p>
@@ -1917,7 +1918,7 @@
           <a:p>
             <a:fld id="{75E8E471-E374-414F-ACAE-271604EC180C}" type="datetime1">
               <a:rPr lang="en-IN" smtClean="0"/>
-              <a:t>07-10-2022</a:t>
+              <a:t>10-11-2022</a:t>
             </a:fld>
             <a:endParaRPr lang="en-IN"/>
           </a:p>
@@ -2130,7 +2131,7 @@
           <a:p>
             <a:fld id="{06209059-F8BB-4ED7-ABCA-C2BF3D4995E6}" type="datetime1">
               <a:rPr lang="en-IN" smtClean="0"/>
-              <a:t>07-10-2022</a:t>
+              <a:t>10-11-2022</a:t>
             </a:fld>
             <a:endParaRPr lang="en-IN"/>
           </a:p>
@@ -2333,7 +2334,7 @@
           <a:p>
             <a:fld id="{33585BB6-7F57-4C30-AECB-DA0D27197DA6}" type="datetime1">
               <a:rPr lang="en-IN" smtClean="0"/>
-              <a:t>07-10-2022</a:t>
+              <a:t>10-11-2022</a:t>
             </a:fld>
             <a:endParaRPr lang="en-IN"/>
           </a:p>
@@ -2612,7 +2613,7 @@
           <a:p>
             <a:fld id="{15BC85B2-39A4-4814-A92A-2973CDC9102C}" type="datetime1">
               <a:rPr lang="en-IN" smtClean="0"/>
-              <a:t>07-10-2022</a:t>
+              <a:t>10-11-2022</a:t>
             </a:fld>
             <a:endParaRPr lang="en-IN"/>
           </a:p>
@@ -2883,7 +2884,7 @@
           <a:p>
             <a:fld id="{E78293A2-8117-48A4-9605-23EE94DF99C3}" type="datetime1">
               <a:rPr lang="en-IN" smtClean="0"/>
-              <a:t>07-10-2022</a:t>
+              <a:t>10-11-2022</a:t>
             </a:fld>
             <a:endParaRPr lang="en-IN"/>
           </a:p>
@@ -3301,7 +3302,7 @@
           <a:p>
             <a:fld id="{5F75C8FC-84AC-4C10-ACC0-BD7AF63F7665}" type="datetime1">
               <a:rPr lang="en-IN" smtClean="0"/>
-              <a:t>07-10-2022</a:t>
+              <a:t>10-11-2022</a:t>
             </a:fld>
             <a:endParaRPr lang="en-IN"/>
           </a:p>
@@ -3446,7 +3447,7 @@
           <a:p>
             <a:fld id="{CFF0B640-F7B0-4E9F-B479-2364AFCFD561}" type="datetime1">
               <a:rPr lang="en-IN" smtClean="0"/>
-              <a:t>07-10-2022</a:t>
+              <a:t>10-11-2022</a:t>
             </a:fld>
             <a:endParaRPr lang="en-IN"/>
           </a:p>
@@ -3562,7 +3563,7 @@
           <a:p>
             <a:fld id="{28C955B1-F658-4E21-B29B-5C46404C65AF}" type="datetime1">
               <a:rPr lang="en-IN" smtClean="0"/>
-              <a:t>07-10-2022</a:t>
+              <a:t>10-11-2022</a:t>
             </a:fld>
             <a:endParaRPr lang="en-IN"/>
           </a:p>
@@ -3878,7 +3879,7 @@
           <a:p>
             <a:fld id="{1466127A-0CB8-41EB-AC70-2B05AA20CEB4}" type="datetime1">
               <a:rPr lang="en-IN" smtClean="0"/>
-              <a:t>07-10-2022</a:t>
+              <a:t>10-11-2022</a:t>
             </a:fld>
             <a:endParaRPr lang="en-IN"/>
           </a:p>
@@ -4170,7 +4171,7 @@
           <a:p>
             <a:fld id="{880E169A-C6D0-47B8-83D4-F4CEB7EC43EC}" type="datetime1">
               <a:rPr lang="en-IN" smtClean="0"/>
-              <a:t>07-10-2022</a:t>
+              <a:t>10-11-2022</a:t>
             </a:fld>
             <a:endParaRPr lang="en-IN"/>
           </a:p>
@@ -4416,7 +4417,7 @@
           <a:p>
             <a:fld id="{338274BC-1E24-44A8-9040-DB21F7AFD224}" type="datetime1">
               <a:rPr lang="en-IN" smtClean="0"/>
-              <a:t>07-10-2022</a:t>
+              <a:t>10-11-2022</a:t>
             </a:fld>
             <a:endParaRPr lang="en-IN"/>
           </a:p>
@@ -7653,7 +7654,7 @@
           <a:p>
             <a:r>
               <a:rPr lang="en-IN" b="1" dirty="0"/>
-              <a:t>Projects on Raspberry pi</a:t>
+              <a:t>Raspberry pi programs</a:t>
             </a:r>
           </a:p>
         </p:txBody>
@@ -7710,6 +7711,259 @@
             <a:fld id="{D300B680-4920-456B-94E7-EB6DEF2EAF04}" type="slidenum">
               <a:rPr lang="en-IN" smtClean="0"/>
               <a:t>21</a:t>
+            </a:fld>
+            <a:endParaRPr lang="en-IN"/>
+          </a:p>
+        </p:txBody>
+      </p:sp>
+      <p:sp>
+        <p:nvSpPr>
+          <p:cNvPr id="6" name="Content Placeholder 5">
+            <a:extLst>
+              <a:ext uri="{FF2B5EF4-FFF2-40B4-BE49-F238E27FC236}">
+                <a16:creationId xmlns:a16="http://schemas.microsoft.com/office/drawing/2014/main" id="{86C53D2F-5751-02DF-526E-C34273083139}"/>
+              </a:ext>
+            </a:extLst>
+          </p:cNvPr>
+          <p:cNvSpPr>
+            <a:spLocks noGrp="1"/>
+          </p:cNvSpPr>
+          <p:nvPr>
+            <p:ph idx="1"/>
+          </p:nvPr>
+        </p:nvSpPr>
+        <p:spPr/>
+        <p:txBody>
+          <a:bodyPr>
+            <a:normAutofit fontScale="55000" lnSpcReduction="20000"/>
+          </a:bodyPr>
+          <a:lstStyle/>
+          <a:p>
+            <a:r>
+              <a:rPr lang="en-US" dirty="0"/>
+              <a:t>1. Measure temperature and humidity – DTH11</a:t>
+            </a:r>
+          </a:p>
+          <a:p>
+            <a:r>
+              <a:rPr lang="en-US" dirty="0">
+                <a:hlinkClick r:id="rId2"/>
+              </a:rPr>
+              <a:t>https://www.thegeekpub.com/236867/using-the-dht11-temperature-sensor-with-the-raspberry-pi/</a:t>
+            </a:r>
+            <a:endParaRPr lang="en-US" dirty="0"/>
+          </a:p>
+          <a:p>
+            <a:r>
+              <a:rPr lang="en-US" dirty="0"/>
+              <a:t>import </a:t>
+            </a:r>
+            <a:r>
+              <a:rPr lang="en-US" dirty="0" err="1"/>
+              <a:t>Adafruit_DHT</a:t>
+            </a:r>
+            <a:endParaRPr lang="en-US" dirty="0"/>
+          </a:p>
+          <a:p>
+            <a:r>
+              <a:rPr lang="en-US" dirty="0"/>
+              <a:t>import time</a:t>
+            </a:r>
+          </a:p>
+          <a:p>
+            <a:r>
+              <a:rPr lang="en-US" dirty="0"/>
+              <a:t> </a:t>
+            </a:r>
+          </a:p>
+          <a:p>
+            <a:r>
+              <a:rPr lang="en-US" dirty="0"/>
+              <a:t>DHT_SENSOR = Adafruit_DHT.DHT11</a:t>
+            </a:r>
+          </a:p>
+          <a:p>
+            <a:r>
+              <a:rPr lang="en-US" dirty="0"/>
+              <a:t>DHT_PIN = 4</a:t>
+            </a:r>
+          </a:p>
+          <a:p>
+            <a:r>
+              <a:rPr lang="en-US" dirty="0"/>
+              <a:t> </a:t>
+            </a:r>
+          </a:p>
+          <a:p>
+            <a:r>
+              <a:rPr lang="en-US" dirty="0"/>
+              <a:t>while True:</a:t>
+            </a:r>
+          </a:p>
+          <a:p>
+            <a:r>
+              <a:rPr lang="en-US" dirty="0"/>
+              <a:t>    humidity, temperature = </a:t>
+            </a:r>
+            <a:r>
+              <a:rPr lang="en-US" dirty="0" err="1"/>
+              <a:t>Adafruit_DHT.read</a:t>
+            </a:r>
+            <a:r>
+              <a:rPr lang="en-US" dirty="0"/>
+              <a:t>(DHT_SENSOR, DHT_PIN)</a:t>
+            </a:r>
+          </a:p>
+          <a:p>
+            <a:r>
+              <a:rPr lang="en-US" dirty="0"/>
+              <a:t>    if humidity is not None and temperature is not None:</a:t>
+            </a:r>
+          </a:p>
+          <a:p>
+            <a:r>
+              <a:rPr lang="en-US" dirty="0"/>
+              <a:t>        print("Temp={0:0.1f}C Humidity={1:0.1f}%".format(temperature, humidity))</a:t>
+            </a:r>
+          </a:p>
+          <a:p>
+            <a:r>
+              <a:rPr lang="en-US" dirty="0"/>
+              <a:t>    else:</a:t>
+            </a:r>
+          </a:p>
+          <a:p>
+            <a:r>
+              <a:rPr lang="en-US" dirty="0"/>
+              <a:t>        print("Sensor failure. Check wiring.");</a:t>
+            </a:r>
+          </a:p>
+          <a:p>
+            <a:r>
+              <a:rPr lang="en-US" dirty="0"/>
+              <a:t>    </a:t>
+            </a:r>
+            <a:r>
+              <a:rPr lang="en-US" dirty="0" err="1"/>
+              <a:t>time.sleep</a:t>
+            </a:r>
+            <a:r>
+              <a:rPr lang="en-US" dirty="0"/>
+              <a:t>(3);</a:t>
+            </a:r>
+          </a:p>
+        </p:txBody>
+      </p:sp>
+    </p:spTree>
+    <p:extLst>
+      <p:ext uri="{BB962C8B-B14F-4D97-AF65-F5344CB8AC3E}">
+        <p14:creationId xmlns:p14="http://schemas.microsoft.com/office/powerpoint/2010/main" val="2391128186"/>
+      </p:ext>
+    </p:extLst>
+  </p:cSld>
+  <p:clrMapOvr>
+    <a:masterClrMapping/>
+  </p:clrMapOvr>
+</p:sld>
+</file>
+
+<file path=ppt/slides/slide22.xml><?xml version="1.0" encoding="utf-8"?>
+<p:sld xmlns:a="http://schemas.openxmlformats.org/drawingml/2006/main" xmlns:r="http://schemas.openxmlformats.org/officeDocument/2006/relationships" xmlns:p="http://schemas.openxmlformats.org/presentationml/2006/main">
+  <p:cSld>
+    <p:spTree>
+      <p:nvGrpSpPr>
+        <p:cNvPr id="1" name=""/>
+        <p:cNvGrpSpPr/>
+        <p:nvPr/>
+      </p:nvGrpSpPr>
+      <p:grpSpPr>
+        <a:xfrm>
+          <a:off x="0" y="0"/>
+          <a:ext cx="0" cy="0"/>
+          <a:chOff x="0" y="0"/>
+          <a:chExt cx="0" cy="0"/>
+        </a:xfrm>
+      </p:grpSpPr>
+      <p:sp>
+        <p:nvSpPr>
+          <p:cNvPr id="2" name="Title 1">
+            <a:extLst>
+              <a:ext uri="{FF2B5EF4-FFF2-40B4-BE49-F238E27FC236}">
+                <a16:creationId xmlns:a16="http://schemas.microsoft.com/office/drawing/2014/main" id="{0006B4B5-6A2B-4D8F-988E-5533CC0BAA17}"/>
+              </a:ext>
+            </a:extLst>
+          </p:cNvPr>
+          <p:cNvSpPr>
+            <a:spLocks noGrp="1"/>
+          </p:cNvSpPr>
+          <p:nvPr>
+            <p:ph type="title"/>
+          </p:nvPr>
+        </p:nvSpPr>
+        <p:spPr/>
+        <p:txBody>
+          <a:bodyPr/>
+          <a:lstStyle/>
+          <a:p>
+            <a:r>
+              <a:rPr lang="en-IN" b="1" dirty="0"/>
+              <a:t>Projects on Raspberry pi</a:t>
+            </a:r>
+          </a:p>
+        </p:txBody>
+      </p:sp>
+      <p:sp>
+        <p:nvSpPr>
+          <p:cNvPr id="4" name="Footer Placeholder 3">
+            <a:extLst>
+              <a:ext uri="{FF2B5EF4-FFF2-40B4-BE49-F238E27FC236}">
+                <a16:creationId xmlns:a16="http://schemas.microsoft.com/office/drawing/2014/main" id="{D8A655FF-C625-4D75-AF17-E471AB829B74}"/>
+              </a:ext>
+            </a:extLst>
+          </p:cNvPr>
+          <p:cNvSpPr>
+            <a:spLocks noGrp="1"/>
+          </p:cNvSpPr>
+          <p:nvPr>
+            <p:ph type="ftr" sz="quarter" idx="11"/>
+          </p:nvPr>
+        </p:nvSpPr>
+        <p:spPr/>
+        <p:txBody>
+          <a:bodyPr/>
+          <a:lstStyle/>
+          <a:p>
+            <a:r>
+              <a:rPr lang="en-IN"/>
+              <a:t>www.kaushalya.tech</a:t>
+            </a:r>
+          </a:p>
+        </p:txBody>
+      </p:sp>
+      <p:sp>
+        <p:nvSpPr>
+          <p:cNvPr id="5" name="Slide Number Placeholder 4">
+            <a:extLst>
+              <a:ext uri="{FF2B5EF4-FFF2-40B4-BE49-F238E27FC236}">
+                <a16:creationId xmlns:a16="http://schemas.microsoft.com/office/drawing/2014/main" id="{3B7AC6D8-050F-457F-A1E3-7B0CD62D23B8}"/>
+              </a:ext>
+            </a:extLst>
+          </p:cNvPr>
+          <p:cNvSpPr>
+            <a:spLocks noGrp="1"/>
+          </p:cNvSpPr>
+          <p:nvPr>
+            <p:ph type="sldNum" sz="quarter" idx="12"/>
+          </p:nvPr>
+        </p:nvSpPr>
+        <p:spPr/>
+        <p:txBody>
+          <a:bodyPr/>
+          <a:lstStyle/>
+          <a:p>
+            <a:fld id="{D300B680-4920-456B-94E7-EB6DEF2EAF04}" type="slidenum">
+              <a:rPr lang="en-IN" smtClean="0"/>
+              <a:t>22</a:t>
             </a:fld>
             <a:endParaRPr lang="en-IN"/>
           </a:p>
@@ -8506,7 +8760,7 @@
 </p:sld>
 </file>
 
-<file path=ppt/slides/slide22.xml><?xml version="1.0" encoding="utf-8"?>
+<file path=ppt/slides/slide23.xml><?xml version="1.0" encoding="utf-8"?>
 <p:sld xmlns:a="http://schemas.openxmlformats.org/drawingml/2006/main" xmlns:r="http://schemas.openxmlformats.org/officeDocument/2006/relationships" xmlns:p="http://schemas.openxmlformats.org/presentationml/2006/main">
   <p:cSld>
     <p:spTree>
@@ -8707,7 +8961,7 @@
           <a:p>
             <a:fld id="{D300B680-4920-456B-94E7-EB6DEF2EAF04}" type="slidenum">
               <a:rPr lang="en-IN" smtClean="0"/>
-              <a:t>22</a:t>
+              <a:t>23</a:t>
             </a:fld>
             <a:endParaRPr lang="en-IN"/>
           </a:p>
@@ -8762,7 +9016,7 @@
 </p:sld>
 </file>
 
-<file path=ppt/slides/slide23.xml><?xml version="1.0" encoding="utf-8"?>
+<file path=ppt/slides/slide24.xml><?xml version="1.0" encoding="utf-8"?>
 <p:sld xmlns:a="http://schemas.openxmlformats.org/drawingml/2006/main" xmlns:r="http://schemas.openxmlformats.org/officeDocument/2006/relationships" xmlns:p="http://schemas.openxmlformats.org/presentationml/2006/main">
   <p:cSld>
     <p:spTree>
@@ -8927,7 +9181,7 @@
           <a:p>
             <a:fld id="{D300B680-4920-456B-94E7-EB6DEF2EAF04}" type="slidenum">
               <a:rPr lang="en-IN" smtClean="0"/>
-              <a:t>23</a:t>
+              <a:t>24</a:t>
             </a:fld>
             <a:endParaRPr lang="en-IN"/>
           </a:p>
@@ -9018,7 +9272,7 @@
 </p:sld>
 </file>
 
-<file path=ppt/slides/slide24.xml><?xml version="1.0" encoding="utf-8"?>
+<file path=ppt/slides/slide25.xml><?xml version="1.0" encoding="utf-8"?>
 <p:sld xmlns:a="http://schemas.openxmlformats.org/drawingml/2006/main" xmlns:r="http://schemas.openxmlformats.org/officeDocument/2006/relationships" xmlns:p="http://schemas.openxmlformats.org/presentationml/2006/main">
   <p:cSld>
     <p:spTree>
@@ -9248,7 +9502,7 @@
           <a:p>
             <a:fld id="{D300B680-4920-456B-94E7-EB6DEF2EAF04}" type="slidenum">
               <a:rPr lang="en-IN" smtClean="0"/>
-              <a:t>24</a:t>
+              <a:t>25</a:t>
             </a:fld>
             <a:endParaRPr lang="en-IN"/>
           </a:p>
@@ -9303,7 +9557,7 @@
 </p:sld>
 </file>
 
-<file path=ppt/slides/slide25.xml><?xml version="1.0" encoding="utf-8"?>
+<file path=ppt/slides/slide26.xml><?xml version="1.0" encoding="utf-8"?>
 <p:sld xmlns:a="http://schemas.openxmlformats.org/drawingml/2006/main" xmlns:r="http://schemas.openxmlformats.org/officeDocument/2006/relationships" xmlns:p="http://schemas.openxmlformats.org/presentationml/2006/main">
   <p:cSld>
     <p:spTree>
@@ -9468,7 +9722,7 @@
           <a:p>
             <a:fld id="{D300B680-4920-456B-94E7-EB6DEF2EAF04}" type="slidenum">
               <a:rPr lang="en-IN" smtClean="0"/>
-              <a:t>25</a:t>
+              <a:t>26</a:t>
             </a:fld>
             <a:endParaRPr lang="en-IN"/>
           </a:p>
@@ -9595,7 +9849,7 @@
 </p:sld>
 </file>
 
-<file path=ppt/slides/slide26.xml><?xml version="1.0" encoding="utf-8"?>
+<file path=ppt/slides/slide27.xml><?xml version="1.0" encoding="utf-8"?>
 <p:sld xmlns:a="http://schemas.openxmlformats.org/drawingml/2006/main" xmlns:r="http://schemas.openxmlformats.org/officeDocument/2006/relationships" xmlns:p="http://schemas.openxmlformats.org/presentationml/2006/main">
   <p:cSld>
     <p:spTree>
@@ -9760,7 +10014,7 @@
           <a:p>
             <a:fld id="{D300B680-4920-456B-94E7-EB6DEF2EAF04}" type="slidenum">
               <a:rPr lang="en-IN" smtClean="0"/>
-              <a:t>26</a:t>
+              <a:t>27</a:t>
             </a:fld>
             <a:endParaRPr lang="en-IN"/>
           </a:p>
@@ -9851,7 +10105,7 @@
 </p:sld>
 </file>
 
-<file path=ppt/slides/slide27.xml><?xml version="1.0" encoding="utf-8"?>
+<file path=ppt/slides/slide28.xml><?xml version="1.0" encoding="utf-8"?>
 <p:sld xmlns:a="http://schemas.openxmlformats.org/drawingml/2006/main" xmlns:r="http://schemas.openxmlformats.org/officeDocument/2006/relationships" xmlns:p="http://schemas.openxmlformats.org/presentationml/2006/main">
   <p:cSld>
     <p:spTree>
@@ -10019,7 +10273,7 @@
           <a:p>
             <a:fld id="{D300B680-4920-456B-94E7-EB6DEF2EAF04}" type="slidenum">
               <a:rPr lang="en-IN" smtClean="0"/>
-              <a:t>27</a:t>
+              <a:t>28</a:t>
             </a:fld>
             <a:endParaRPr lang="en-IN"/>
           </a:p>
@@ -10110,7 +10364,7 @@
 </p:sld>
 </file>
 
-<file path=ppt/slides/slide28.xml><?xml version="1.0" encoding="utf-8"?>
+<file path=ppt/slides/slide29.xml><?xml version="1.0" encoding="utf-8"?>
 <p:sld xmlns:a="http://schemas.openxmlformats.org/drawingml/2006/main" xmlns:r="http://schemas.openxmlformats.org/officeDocument/2006/relationships" xmlns:p="http://schemas.openxmlformats.org/presentationml/2006/main">
   <p:cSld>
     <p:spTree>
@@ -10278,7 +10532,7 @@
           <a:p>
             <a:fld id="{D300B680-4920-456B-94E7-EB6DEF2EAF04}" type="slidenum">
               <a:rPr lang="en-IN" smtClean="0"/>
-              <a:t>28</a:t>
+              <a:t>29</a:t>
             </a:fld>
             <a:endParaRPr lang="en-IN"/>
           </a:p>
@@ -10369,7 +10623,7 @@
 </p:sld>
 </file>
 
-<file path=ppt/slides/slide29.xml><?xml version="1.0" encoding="utf-8"?>
+<file path=ppt/slides/slide3.xml><?xml version="1.0" encoding="utf-8"?>
 <p:sld xmlns:a="http://schemas.openxmlformats.org/drawingml/2006/main" xmlns:r="http://schemas.openxmlformats.org/officeDocument/2006/relationships" xmlns:p="http://schemas.openxmlformats.org/presentationml/2006/main">
   <p:cSld>
     <p:spTree>
@@ -10412,6 +10666,263 @@
                 <a:latin typeface="Arial" panose="020B0604020202020204" pitchFamily="34" charset="0"/>
                 <a:cs typeface="Arial" panose="020B0604020202020204" pitchFamily="34" charset="0"/>
               </a:rPr>
+              <a:t>Topics</a:t>
+            </a:r>
+          </a:p>
+        </p:txBody>
+      </p:sp>
+      <p:sp>
+        <p:nvSpPr>
+          <p:cNvPr id="3" name="Content Placeholder 2">
+            <a:extLst>
+              <a:ext uri="{FF2B5EF4-FFF2-40B4-BE49-F238E27FC236}">
+                <a16:creationId xmlns:a16="http://schemas.microsoft.com/office/drawing/2014/main" id="{159CC895-1F18-40A1-A762-D33689BEF2FE}"/>
+              </a:ext>
+            </a:extLst>
+          </p:cNvPr>
+          <p:cNvSpPr>
+            <a:spLocks noGrp="1"/>
+          </p:cNvSpPr>
+          <p:nvPr>
+            <p:ph idx="1"/>
+          </p:nvPr>
+        </p:nvSpPr>
+        <p:spPr/>
+        <p:txBody>
+          <a:bodyPr>
+            <a:normAutofit/>
+          </a:bodyPr>
+          <a:lstStyle/>
+          <a:p>
+            <a:r>
+              <a:rPr lang="en-IN" b="1" i="1" dirty="0">
+                <a:solidFill>
+                  <a:srgbClr val="C00000"/>
+                </a:solidFill>
+                <a:latin typeface="Arial" panose="020B0604020202020204" pitchFamily="34" charset="0"/>
+                <a:cs typeface="Arial" panose="020B0604020202020204" pitchFamily="34" charset="0"/>
+              </a:rPr>
+              <a:t>Communication protocols – Deep dive</a:t>
+            </a:r>
+          </a:p>
+          <a:p>
+            <a:r>
+              <a:rPr lang="en-IN" b="1" i="1" dirty="0">
+                <a:solidFill>
+                  <a:srgbClr val="C00000"/>
+                </a:solidFill>
+                <a:latin typeface="Arial" panose="020B0604020202020204" pitchFamily="34" charset="0"/>
+                <a:cs typeface="Arial" panose="020B0604020202020204" pitchFamily="34" charset="0"/>
+              </a:rPr>
+              <a:t>Cloud Computing</a:t>
+            </a:r>
+          </a:p>
+          <a:p>
+            <a:r>
+              <a:rPr lang="en-IN" b="1" i="1" dirty="0">
+                <a:solidFill>
+                  <a:srgbClr val="C00000"/>
+                </a:solidFill>
+                <a:latin typeface="Arial" panose="020B0604020202020204" pitchFamily="34" charset="0"/>
+                <a:cs typeface="Arial" panose="020B0604020202020204" pitchFamily="34" charset="0"/>
+              </a:rPr>
+              <a:t>IoT Platforms</a:t>
+            </a:r>
+          </a:p>
+          <a:p>
+            <a:r>
+              <a:rPr lang="en-IN" b="1" i="1" dirty="0">
+                <a:solidFill>
+                  <a:srgbClr val="C00000"/>
+                </a:solidFill>
+                <a:latin typeface="Arial" panose="020B0604020202020204" pitchFamily="34" charset="0"/>
+                <a:cs typeface="Arial" panose="020B0604020202020204" pitchFamily="34" charset="0"/>
+              </a:rPr>
+              <a:t>IoT Consortiums</a:t>
+            </a:r>
+            <a:endParaRPr lang="en-IN" dirty="0">
+              <a:latin typeface="Arial" panose="020B0604020202020204" pitchFamily="34" charset="0"/>
+              <a:cs typeface="Arial" panose="020B0604020202020204" pitchFamily="34" charset="0"/>
+            </a:endParaRPr>
+          </a:p>
+          <a:p>
+            <a:endParaRPr lang="en-IN" dirty="0">
+              <a:latin typeface="Arial" panose="020B0604020202020204" pitchFamily="34" charset="0"/>
+              <a:cs typeface="Arial" panose="020B0604020202020204" pitchFamily="34" charset="0"/>
+            </a:endParaRPr>
+          </a:p>
+          <a:p>
+            <a:endParaRPr lang="en-IN" dirty="0">
+              <a:latin typeface="Arial" panose="020B0604020202020204" pitchFamily="34" charset="0"/>
+              <a:cs typeface="Arial" panose="020B0604020202020204" pitchFamily="34" charset="0"/>
+            </a:endParaRPr>
+          </a:p>
+          <a:p>
+            <a:endParaRPr lang="en-IN" dirty="0">
+              <a:latin typeface="Arial" panose="020B0604020202020204" pitchFamily="34" charset="0"/>
+              <a:cs typeface="Arial" panose="020B0604020202020204" pitchFamily="34" charset="0"/>
+            </a:endParaRPr>
+          </a:p>
+          <a:p>
+            <a:endParaRPr lang="en-IN" dirty="0">
+              <a:latin typeface="Arial" panose="020B0604020202020204" pitchFamily="34" charset="0"/>
+              <a:cs typeface="Arial" panose="020B0604020202020204" pitchFamily="34" charset="0"/>
+            </a:endParaRPr>
+          </a:p>
+        </p:txBody>
+      </p:sp>
+      <p:sp>
+        <p:nvSpPr>
+          <p:cNvPr id="4" name="Footer Placeholder 3">
+            <a:extLst>
+              <a:ext uri="{FF2B5EF4-FFF2-40B4-BE49-F238E27FC236}">
+                <a16:creationId xmlns:a16="http://schemas.microsoft.com/office/drawing/2014/main" id="{225E687A-3841-43E9-A660-E12990A18BBE}"/>
+              </a:ext>
+            </a:extLst>
+          </p:cNvPr>
+          <p:cNvSpPr>
+            <a:spLocks noGrp="1"/>
+          </p:cNvSpPr>
+          <p:nvPr>
+            <p:ph type="ftr" sz="quarter" idx="11"/>
+          </p:nvPr>
+        </p:nvSpPr>
+        <p:spPr/>
+        <p:txBody>
+          <a:bodyPr/>
+          <a:lstStyle/>
+          <a:p>
+            <a:r>
+              <a:rPr lang="en-IN" sz="1400" b="1" dirty="0">
+                <a:latin typeface="Arial" panose="020B0604020202020204" pitchFamily="34" charset="0"/>
+                <a:cs typeface="Arial" panose="020B0604020202020204" pitchFamily="34" charset="0"/>
+              </a:rPr>
+              <a:t>www.kaushalya.tech</a:t>
+            </a:r>
+          </a:p>
+        </p:txBody>
+      </p:sp>
+      <p:sp>
+        <p:nvSpPr>
+          <p:cNvPr id="5" name="Slide Number Placeholder 4">
+            <a:extLst>
+              <a:ext uri="{FF2B5EF4-FFF2-40B4-BE49-F238E27FC236}">
+                <a16:creationId xmlns:a16="http://schemas.microsoft.com/office/drawing/2014/main" id="{0DAEE1CA-D53F-4736-8F8C-F0F7031EFAA5}"/>
+              </a:ext>
+            </a:extLst>
+          </p:cNvPr>
+          <p:cNvSpPr>
+            <a:spLocks noGrp="1"/>
+          </p:cNvSpPr>
+          <p:nvPr>
+            <p:ph type="sldNum" sz="quarter" idx="12"/>
+          </p:nvPr>
+        </p:nvSpPr>
+        <p:spPr/>
+        <p:txBody>
+          <a:bodyPr/>
+          <a:lstStyle/>
+          <a:p>
+            <a:fld id="{D300B680-4920-456B-94E7-EB6DEF2EAF04}" type="slidenum">
+              <a:rPr lang="en-IN" smtClean="0"/>
+              <a:t>3</a:t>
+            </a:fld>
+            <a:endParaRPr lang="en-IN"/>
+          </a:p>
+        </p:txBody>
+      </p:sp>
+      <p:pic>
+        <p:nvPicPr>
+          <p:cNvPr id="7" name="Picture 6">
+            <a:extLst>
+              <a:ext uri="{FF2B5EF4-FFF2-40B4-BE49-F238E27FC236}">
+                <a16:creationId xmlns:a16="http://schemas.microsoft.com/office/drawing/2014/main" id="{0C376FEC-7B49-40D0-9138-4319452F0A1B}"/>
+              </a:ext>
+            </a:extLst>
+          </p:cNvPr>
+          <p:cNvPicPr>
+            <a:picLocks noChangeAspect="1"/>
+          </p:cNvPicPr>
+          <p:nvPr/>
+        </p:nvPicPr>
+        <p:blipFill>
+          <a:blip r:embed="rId2">
+            <a:extLst>
+              <a:ext uri="{28A0092B-C50C-407E-A947-70E740481C1C}">
+                <a14:useLocalDpi xmlns:a14="http://schemas.microsoft.com/office/drawing/2010/main" val="0"/>
+              </a:ext>
+            </a:extLst>
+          </a:blip>
+          <a:stretch>
+            <a:fillRect/>
+          </a:stretch>
+        </p:blipFill>
+        <p:spPr>
+          <a:xfrm>
+            <a:off x="9087727" y="18119"/>
+            <a:ext cx="3111949" cy="783737"/>
+          </a:xfrm>
+          <a:prstGeom prst="rect">
+            <a:avLst/>
+          </a:prstGeom>
+        </p:spPr>
+      </p:pic>
+    </p:spTree>
+    <p:extLst>
+      <p:ext uri="{BB962C8B-B14F-4D97-AF65-F5344CB8AC3E}">
+        <p14:creationId xmlns:p14="http://schemas.microsoft.com/office/powerpoint/2010/main" val="3691993864"/>
+      </p:ext>
+    </p:extLst>
+  </p:cSld>
+  <p:clrMapOvr>
+    <a:masterClrMapping/>
+  </p:clrMapOvr>
+</p:sld>
+</file>
+
+<file path=ppt/slides/slide30.xml><?xml version="1.0" encoding="utf-8"?>
+<p:sld xmlns:a="http://schemas.openxmlformats.org/drawingml/2006/main" xmlns:r="http://schemas.openxmlformats.org/officeDocument/2006/relationships" xmlns:p="http://schemas.openxmlformats.org/presentationml/2006/main">
+  <p:cSld>
+    <p:spTree>
+      <p:nvGrpSpPr>
+        <p:cNvPr id="1" name=""/>
+        <p:cNvGrpSpPr/>
+        <p:nvPr/>
+      </p:nvGrpSpPr>
+      <p:grpSpPr>
+        <a:xfrm>
+          <a:off x="0" y="0"/>
+          <a:ext cx="0" cy="0"/>
+          <a:chOff x="0" y="0"/>
+          <a:chExt cx="0" cy="0"/>
+        </a:xfrm>
+      </p:grpSpPr>
+      <p:sp>
+        <p:nvSpPr>
+          <p:cNvPr id="2" name="Title 1">
+            <a:extLst>
+              <a:ext uri="{FF2B5EF4-FFF2-40B4-BE49-F238E27FC236}">
+                <a16:creationId xmlns:a16="http://schemas.microsoft.com/office/drawing/2014/main" id="{D5976393-01BB-428F-8642-D325E9ED1E5B}"/>
+              </a:ext>
+            </a:extLst>
+          </p:cNvPr>
+          <p:cNvSpPr>
+            <a:spLocks noGrp="1"/>
+          </p:cNvSpPr>
+          <p:nvPr>
+            <p:ph type="title"/>
+          </p:nvPr>
+        </p:nvSpPr>
+        <p:spPr/>
+        <p:txBody>
+          <a:bodyPr/>
+          <a:lstStyle/>
+          <a:p>
+            <a:r>
+              <a:rPr lang="en-IN" dirty="0">
+                <a:latin typeface="Arial" panose="020B0604020202020204" pitchFamily="34" charset="0"/>
+                <a:cs typeface="Arial" panose="020B0604020202020204" pitchFamily="34" charset="0"/>
+              </a:rPr>
               <a:t>Cloud Market share - SaaS</a:t>
             </a:r>
           </a:p>
@@ -10537,7 +11048,7 @@
           <a:p>
             <a:fld id="{D300B680-4920-456B-94E7-EB6DEF2EAF04}" type="slidenum">
               <a:rPr lang="en-IN" smtClean="0"/>
-              <a:t>29</a:t>
+              <a:t>30</a:t>
             </a:fld>
             <a:endParaRPr lang="en-IN"/>
           </a:p>
@@ -10619,263 +11130,6 @@
     <p:extLst>
       <p:ext uri="{BB962C8B-B14F-4D97-AF65-F5344CB8AC3E}">
         <p14:creationId xmlns:p14="http://schemas.microsoft.com/office/powerpoint/2010/main" val="1445096012"/>
-      </p:ext>
-    </p:extLst>
-  </p:cSld>
-  <p:clrMapOvr>
-    <a:masterClrMapping/>
-  </p:clrMapOvr>
-</p:sld>
-</file>
-
-<file path=ppt/slides/slide3.xml><?xml version="1.0" encoding="utf-8"?>
-<p:sld xmlns:a="http://schemas.openxmlformats.org/drawingml/2006/main" xmlns:r="http://schemas.openxmlformats.org/officeDocument/2006/relationships" xmlns:p="http://schemas.openxmlformats.org/presentationml/2006/main">
-  <p:cSld>
-    <p:spTree>
-      <p:nvGrpSpPr>
-        <p:cNvPr id="1" name=""/>
-        <p:cNvGrpSpPr/>
-        <p:nvPr/>
-      </p:nvGrpSpPr>
-      <p:grpSpPr>
-        <a:xfrm>
-          <a:off x="0" y="0"/>
-          <a:ext cx="0" cy="0"/>
-          <a:chOff x="0" y="0"/>
-          <a:chExt cx="0" cy="0"/>
-        </a:xfrm>
-      </p:grpSpPr>
-      <p:sp>
-        <p:nvSpPr>
-          <p:cNvPr id="2" name="Title 1">
-            <a:extLst>
-              <a:ext uri="{FF2B5EF4-FFF2-40B4-BE49-F238E27FC236}">
-                <a16:creationId xmlns:a16="http://schemas.microsoft.com/office/drawing/2014/main" id="{D5976393-01BB-428F-8642-D325E9ED1E5B}"/>
-              </a:ext>
-            </a:extLst>
-          </p:cNvPr>
-          <p:cNvSpPr>
-            <a:spLocks noGrp="1"/>
-          </p:cNvSpPr>
-          <p:nvPr>
-            <p:ph type="title"/>
-          </p:nvPr>
-        </p:nvSpPr>
-        <p:spPr/>
-        <p:txBody>
-          <a:bodyPr/>
-          <a:lstStyle/>
-          <a:p>
-            <a:r>
-              <a:rPr lang="en-IN" dirty="0">
-                <a:latin typeface="Arial" panose="020B0604020202020204" pitchFamily="34" charset="0"/>
-                <a:cs typeface="Arial" panose="020B0604020202020204" pitchFamily="34" charset="0"/>
-              </a:rPr>
-              <a:t>Topics</a:t>
-            </a:r>
-          </a:p>
-        </p:txBody>
-      </p:sp>
-      <p:sp>
-        <p:nvSpPr>
-          <p:cNvPr id="3" name="Content Placeholder 2">
-            <a:extLst>
-              <a:ext uri="{FF2B5EF4-FFF2-40B4-BE49-F238E27FC236}">
-                <a16:creationId xmlns:a16="http://schemas.microsoft.com/office/drawing/2014/main" id="{159CC895-1F18-40A1-A762-D33689BEF2FE}"/>
-              </a:ext>
-            </a:extLst>
-          </p:cNvPr>
-          <p:cNvSpPr>
-            <a:spLocks noGrp="1"/>
-          </p:cNvSpPr>
-          <p:nvPr>
-            <p:ph idx="1"/>
-          </p:nvPr>
-        </p:nvSpPr>
-        <p:spPr/>
-        <p:txBody>
-          <a:bodyPr>
-            <a:normAutofit/>
-          </a:bodyPr>
-          <a:lstStyle/>
-          <a:p>
-            <a:r>
-              <a:rPr lang="en-IN" b="1" i="1" dirty="0">
-                <a:solidFill>
-                  <a:srgbClr val="C00000"/>
-                </a:solidFill>
-                <a:latin typeface="Arial" panose="020B0604020202020204" pitchFamily="34" charset="0"/>
-                <a:cs typeface="Arial" panose="020B0604020202020204" pitchFamily="34" charset="0"/>
-              </a:rPr>
-              <a:t>Communication protocols – Deep dive</a:t>
-            </a:r>
-          </a:p>
-          <a:p>
-            <a:r>
-              <a:rPr lang="en-IN" b="1" i="1" dirty="0">
-                <a:solidFill>
-                  <a:srgbClr val="C00000"/>
-                </a:solidFill>
-                <a:latin typeface="Arial" panose="020B0604020202020204" pitchFamily="34" charset="0"/>
-                <a:cs typeface="Arial" panose="020B0604020202020204" pitchFamily="34" charset="0"/>
-              </a:rPr>
-              <a:t>Cloud Computing</a:t>
-            </a:r>
-          </a:p>
-          <a:p>
-            <a:r>
-              <a:rPr lang="en-IN" b="1" i="1" dirty="0">
-                <a:solidFill>
-                  <a:srgbClr val="C00000"/>
-                </a:solidFill>
-                <a:latin typeface="Arial" panose="020B0604020202020204" pitchFamily="34" charset="0"/>
-                <a:cs typeface="Arial" panose="020B0604020202020204" pitchFamily="34" charset="0"/>
-              </a:rPr>
-              <a:t>IoT Platforms</a:t>
-            </a:r>
-          </a:p>
-          <a:p>
-            <a:r>
-              <a:rPr lang="en-IN" b="1" i="1" dirty="0">
-                <a:solidFill>
-                  <a:srgbClr val="C00000"/>
-                </a:solidFill>
-                <a:latin typeface="Arial" panose="020B0604020202020204" pitchFamily="34" charset="0"/>
-                <a:cs typeface="Arial" panose="020B0604020202020204" pitchFamily="34" charset="0"/>
-              </a:rPr>
-              <a:t>IoT Consortiums</a:t>
-            </a:r>
-            <a:endParaRPr lang="en-IN" dirty="0">
-              <a:latin typeface="Arial" panose="020B0604020202020204" pitchFamily="34" charset="0"/>
-              <a:cs typeface="Arial" panose="020B0604020202020204" pitchFamily="34" charset="0"/>
-            </a:endParaRPr>
-          </a:p>
-          <a:p>
-            <a:endParaRPr lang="en-IN" dirty="0">
-              <a:latin typeface="Arial" panose="020B0604020202020204" pitchFamily="34" charset="0"/>
-              <a:cs typeface="Arial" panose="020B0604020202020204" pitchFamily="34" charset="0"/>
-            </a:endParaRPr>
-          </a:p>
-          <a:p>
-            <a:endParaRPr lang="en-IN" dirty="0">
-              <a:latin typeface="Arial" panose="020B0604020202020204" pitchFamily="34" charset="0"/>
-              <a:cs typeface="Arial" panose="020B0604020202020204" pitchFamily="34" charset="0"/>
-            </a:endParaRPr>
-          </a:p>
-          <a:p>
-            <a:endParaRPr lang="en-IN" dirty="0">
-              <a:latin typeface="Arial" panose="020B0604020202020204" pitchFamily="34" charset="0"/>
-              <a:cs typeface="Arial" panose="020B0604020202020204" pitchFamily="34" charset="0"/>
-            </a:endParaRPr>
-          </a:p>
-          <a:p>
-            <a:endParaRPr lang="en-IN" dirty="0">
-              <a:latin typeface="Arial" panose="020B0604020202020204" pitchFamily="34" charset="0"/>
-              <a:cs typeface="Arial" panose="020B0604020202020204" pitchFamily="34" charset="0"/>
-            </a:endParaRPr>
-          </a:p>
-        </p:txBody>
-      </p:sp>
-      <p:sp>
-        <p:nvSpPr>
-          <p:cNvPr id="4" name="Footer Placeholder 3">
-            <a:extLst>
-              <a:ext uri="{FF2B5EF4-FFF2-40B4-BE49-F238E27FC236}">
-                <a16:creationId xmlns:a16="http://schemas.microsoft.com/office/drawing/2014/main" id="{225E687A-3841-43E9-A660-E12990A18BBE}"/>
-              </a:ext>
-            </a:extLst>
-          </p:cNvPr>
-          <p:cNvSpPr>
-            <a:spLocks noGrp="1"/>
-          </p:cNvSpPr>
-          <p:nvPr>
-            <p:ph type="ftr" sz="quarter" idx="11"/>
-          </p:nvPr>
-        </p:nvSpPr>
-        <p:spPr/>
-        <p:txBody>
-          <a:bodyPr/>
-          <a:lstStyle/>
-          <a:p>
-            <a:r>
-              <a:rPr lang="en-IN" sz="1400" b="1" dirty="0">
-                <a:latin typeface="Arial" panose="020B0604020202020204" pitchFamily="34" charset="0"/>
-                <a:cs typeface="Arial" panose="020B0604020202020204" pitchFamily="34" charset="0"/>
-              </a:rPr>
-              <a:t>www.kaushalya.tech</a:t>
-            </a:r>
-          </a:p>
-        </p:txBody>
-      </p:sp>
-      <p:sp>
-        <p:nvSpPr>
-          <p:cNvPr id="5" name="Slide Number Placeholder 4">
-            <a:extLst>
-              <a:ext uri="{FF2B5EF4-FFF2-40B4-BE49-F238E27FC236}">
-                <a16:creationId xmlns:a16="http://schemas.microsoft.com/office/drawing/2014/main" id="{0DAEE1CA-D53F-4736-8F8C-F0F7031EFAA5}"/>
-              </a:ext>
-            </a:extLst>
-          </p:cNvPr>
-          <p:cNvSpPr>
-            <a:spLocks noGrp="1"/>
-          </p:cNvSpPr>
-          <p:nvPr>
-            <p:ph type="sldNum" sz="quarter" idx="12"/>
-          </p:nvPr>
-        </p:nvSpPr>
-        <p:spPr/>
-        <p:txBody>
-          <a:bodyPr/>
-          <a:lstStyle/>
-          <a:p>
-            <a:fld id="{D300B680-4920-456B-94E7-EB6DEF2EAF04}" type="slidenum">
-              <a:rPr lang="en-IN" smtClean="0"/>
-              <a:t>3</a:t>
-            </a:fld>
-            <a:endParaRPr lang="en-IN"/>
-          </a:p>
-        </p:txBody>
-      </p:sp>
-      <p:pic>
-        <p:nvPicPr>
-          <p:cNvPr id="7" name="Picture 6">
-            <a:extLst>
-              <a:ext uri="{FF2B5EF4-FFF2-40B4-BE49-F238E27FC236}">
-                <a16:creationId xmlns:a16="http://schemas.microsoft.com/office/drawing/2014/main" id="{0C376FEC-7B49-40D0-9138-4319452F0A1B}"/>
-              </a:ext>
-            </a:extLst>
-          </p:cNvPr>
-          <p:cNvPicPr>
-            <a:picLocks noChangeAspect="1"/>
-          </p:cNvPicPr>
-          <p:nvPr/>
-        </p:nvPicPr>
-        <p:blipFill>
-          <a:blip r:embed="rId2">
-            <a:extLst>
-              <a:ext uri="{28A0092B-C50C-407E-A947-70E740481C1C}">
-                <a14:useLocalDpi xmlns:a14="http://schemas.microsoft.com/office/drawing/2010/main" val="0"/>
-              </a:ext>
-            </a:extLst>
-          </a:blip>
-          <a:stretch>
-            <a:fillRect/>
-          </a:stretch>
-        </p:blipFill>
-        <p:spPr>
-          <a:xfrm>
-            <a:off x="9087727" y="18119"/>
-            <a:ext cx="3111949" cy="783737"/>
-          </a:xfrm>
-          <a:prstGeom prst="rect">
-            <a:avLst/>
-          </a:prstGeom>
-        </p:spPr>
-      </p:pic>
-    </p:spTree>
-    <p:extLst>
-      <p:ext uri="{BB962C8B-B14F-4D97-AF65-F5344CB8AC3E}">
-        <p14:creationId xmlns:p14="http://schemas.microsoft.com/office/powerpoint/2010/main" val="3691993864"/>
       </p:ext>
     </p:extLst>
   </p:cSld>
@@ -11539,7 +11793,7 @@
         </p:blipFill>
         <p:spPr>
           <a:xfrm>
-            <a:off x="1277052" y="3293854"/>
+            <a:off x="1277052" y="3314174"/>
             <a:ext cx="10220404" cy="3062496"/>
           </a:xfrm>
           <a:prstGeom prst="rect">
